--- a/2020-09 PSPowerHour - Making your first Tools Module/Making your first Tools Module.pptx
+++ b/2020-09 PSPowerHour - Making your first Tools Module/Making your first Tools Module.pptx
@@ -208,7 +208,7 @@
           <a:p>
             <a:fld id="{5E0695D9-9FA8-40E1-80AF-6E56D606FF50}" type="datetimeFigureOut">
               <a:rPr lang="en-US" smtClean="0"/>
-              <a:t>8/31/2020</a:t>
+              <a:t>9/1/2020</a:t>
             </a:fld>
             <a:endParaRPr lang="en-US"/>
           </a:p>
@@ -671,7 +671,7 @@
           <a:p>
             <a:fld id="{14F3B031-D751-470A-8A53-B5F8EDE95907}" type="datetime1">
               <a:rPr lang="en-US" smtClean="0"/>
-              <a:t>8/31/2020</a:t>
+              <a:t>9/1/2020</a:t>
             </a:fld>
             <a:endParaRPr lang="en-US" dirty="0"/>
           </a:p>
@@ -900,7 +900,7 @@
           <a:p>
             <a:fld id="{73079E71-7F99-4C18-BE8C-F7645E7B0765}" type="datetime1">
               <a:rPr lang="en-US" smtClean="0"/>
-              <a:t>8/31/2020</a:t>
+              <a:t>9/1/2020</a:t>
             </a:fld>
             <a:endParaRPr lang="en-US" dirty="0"/>
           </a:p>
@@ -1084,7 +1084,7 @@
           <a:p>
             <a:fld id="{4D1A3730-C699-4267-AA66-573D6CA076AD}" type="datetime1">
               <a:rPr lang="en-US" smtClean="0"/>
-              <a:t>8/31/2020</a:t>
+              <a:t>9/1/2020</a:t>
             </a:fld>
             <a:endParaRPr lang="en-US" dirty="0"/>
           </a:p>
@@ -1258,7 +1258,7 @@
           <a:p>
             <a:fld id="{45A538C2-FE92-4049-9905-DB183B8DB481}" type="datetime1">
               <a:rPr lang="en-US" smtClean="0"/>
-              <a:t>8/31/2020</a:t>
+              <a:t>9/1/2020</a:t>
             </a:fld>
             <a:endParaRPr lang="en-US" dirty="0"/>
           </a:p>
@@ -1553,7 +1553,7 @@
           <a:p>
             <a:fld id="{29283859-00CA-4E61-B7CC-21E6112789AA}" type="datetime1">
               <a:rPr lang="en-US" smtClean="0"/>
-              <a:t>8/31/2020</a:t>
+              <a:t>9/1/2020</a:t>
             </a:fld>
             <a:endParaRPr lang="en-US" dirty="0"/>
           </a:p>
@@ -1884,7 +1884,7 @@
           <a:p>
             <a:fld id="{6F2F009D-B4AE-4F83-8BBA-A32EC7C2E2DD}" type="datetime1">
               <a:rPr lang="en-US" smtClean="0"/>
-              <a:t>8/31/2020</a:t>
+              <a:t>9/1/2020</a:t>
             </a:fld>
             <a:endParaRPr lang="en-US" dirty="0"/>
           </a:p>
@@ -2300,7 +2300,7 @@
           <a:p>
             <a:fld id="{8D20830B-0DB0-43D2-A123-64CD48C1D51F}" type="datetime1">
               <a:rPr lang="en-US" smtClean="0"/>
-              <a:t>8/31/2020</a:t>
+              <a:t>9/1/2020</a:t>
             </a:fld>
             <a:endParaRPr lang="en-US" dirty="0"/>
           </a:p>
@@ -2423,7 +2423,7 @@
           <a:p>
             <a:fld id="{5C49924C-5B5B-479A-BEDF-FED484543703}" type="datetime1">
               <a:rPr lang="en-US" smtClean="0"/>
-              <a:t>8/31/2020</a:t>
+              <a:t>9/1/2020</a:t>
             </a:fld>
             <a:endParaRPr lang="en-US" dirty="0"/>
           </a:p>
@@ -2522,7 +2522,7 @@
           <a:p>
             <a:fld id="{B6302491-5120-4E9F-A417-A6D23E66CD55}" type="datetime1">
               <a:rPr lang="en-US" smtClean="0"/>
-              <a:t>8/31/2020</a:t>
+              <a:t>9/1/2020</a:t>
             </a:fld>
             <a:endParaRPr lang="en-US" dirty="0"/>
           </a:p>
@@ -2813,7 +2813,7 @@
           <a:p>
             <a:fld id="{30672BD7-25B5-4BB9-9CBF-384EBC4E2B66}" type="datetime1">
               <a:rPr lang="en-US" smtClean="0"/>
-              <a:t>8/31/2020</a:t>
+              <a:t>9/1/2020</a:t>
             </a:fld>
             <a:endParaRPr lang="en-US" dirty="0"/>
           </a:p>
@@ -3095,7 +3095,7 @@
           <a:p>
             <a:fld id="{57452276-A221-432B-94E0-62555EE967F9}" type="datetime1">
               <a:rPr lang="en-US" smtClean="0"/>
-              <a:t>8/31/2020</a:t>
+              <a:t>9/1/2020</a:t>
             </a:fld>
             <a:endParaRPr lang="en-US" dirty="0"/>
           </a:p>
@@ -3351,7 +3351,7 @@
           <a:p>
             <a:fld id="{B4E9CB33-9F58-4F4E-952F-23950A585FCF}" type="datetime1">
               <a:rPr lang="en-US" smtClean="0"/>
-              <a:t>8/31/2020</a:t>
+              <a:t>9/1/2020</a:t>
             </a:fld>
             <a:endParaRPr lang="en-US" dirty="0"/>
           </a:p>
@@ -5485,7 +5485,7 @@
                   <a:srgbClr val="FFFF00"/>
                 </a:solidFill>
               </a:rPr>
-              <a:t>What is a module? </a:t>
+              <a:t>Module basics </a:t>
             </a:r>
             <a:r>
               <a:rPr lang="en-US" sz="3200" dirty="0"/>
